--- a/Apresentação MS.pptx
+++ b/Apresentação MS.pptx
@@ -13228,7 +13228,7 @@
         <p:spPr>
           <a:xfrm>
             <a:off x="5514808" y="2816203"/>
-            <a:ext cx="6096000" cy="3693319"/>
+            <a:ext cx="6096000" cy="1477328"/>
           </a:xfrm>
           <a:prstGeom prst="rect">
             <a:avLst/>
@@ -13241,101 +13241,793 @@
           </a:bodyPr>
           <a:lstStyle/>
           <a:p>
-            <a:pPr>
-              <a:buFont typeface="Arial" panose="020B0604020202020204" pitchFamily="34" charset="0"/>
+            <a:pPr marL="0" marR="0" lvl="0" indent="0" algn="l" defTabSz="914400" rtl="0" eaLnBrk="0" fontAlgn="base" latinLnBrk="0" hangingPunct="0">
+              <a:lnSpc>
+                <a:spcPct val="100000"/>
+              </a:lnSpc>
+              <a:spcBef>
+                <a:spcPct val="0"/>
+              </a:spcBef>
+              <a:spcAft>
+                <a:spcPct val="0"/>
+              </a:spcAft>
+              <a:buClrTx/>
+              <a:buSzTx/>
+              <a:buFontTx/>
               <a:buChar char="•"/>
+              <a:tabLst/>
             </a:pPr>
             <a:r>
-              <a:rPr lang="en-US" b="1" dirty="0"/>
-              <a:t>Baseline Rewards</a:t>
-            </a:r>
-            <a:r>
-              <a:rPr lang="en-US" dirty="0"/>
-              <a:t>: Applied consistently, with speed interval modifications.</a:t>
-            </a:r>
-          </a:p>
-          <a:p>
-            <a:pPr lvl="1">
-              <a:buFont typeface="Arial" panose="020B0604020202020204" pitchFamily="34" charset="0"/>
+              <a:rPr kumimoji="0" lang="pt-PT" altLang="pt-PT" sz="1800" b="1" i="0" u="none" strike="noStrike" cap="none" normalizeH="0" baseline="0" dirty="0">
+                <a:ln>
+                  <a:noFill/>
+                </a:ln>
+                <a:solidFill>
+                  <a:schemeClr val="tx1"/>
+                </a:solidFill>
+                <a:effectLst/>
+                <a:latin typeface="Arial" panose="020B0604020202020204" pitchFamily="34" charset="0"/>
+              </a:rPr>
+              <a:t>    +25 </a:t>
+            </a:r>
+            <a:r>
+              <a:rPr kumimoji="0" lang="pt-PT" altLang="pt-PT" sz="1800" b="1" i="0" u="none" strike="noStrike" cap="none" normalizeH="0" baseline="0" dirty="0" err="1">
+                <a:ln>
+                  <a:noFill/>
+                </a:ln>
+                <a:solidFill>
+                  <a:schemeClr val="tx1"/>
+                </a:solidFill>
+                <a:effectLst/>
+                <a:latin typeface="Arial" panose="020B0604020202020204" pitchFamily="34" charset="0"/>
+              </a:rPr>
+              <a:t>Points</a:t>
+            </a:r>
+            <a:r>
+              <a:rPr kumimoji="0" lang="pt-PT" altLang="pt-PT" sz="1800" b="0" i="0" u="none" strike="noStrike" cap="none" normalizeH="0" baseline="0" dirty="0">
+                <a:ln>
+                  <a:noFill/>
+                </a:ln>
+                <a:solidFill>
+                  <a:schemeClr val="tx1"/>
+                </a:solidFill>
+                <a:effectLst/>
+                <a:latin typeface="Arial" panose="020B0604020202020204" pitchFamily="34" charset="0"/>
+              </a:rPr>
+              <a:t> for </a:t>
+            </a:r>
+            <a:r>
+              <a:rPr kumimoji="0" lang="pt-PT" altLang="pt-PT" sz="1800" b="0" i="0" u="none" strike="noStrike" cap="none" normalizeH="0" baseline="0" dirty="0" err="1">
+                <a:ln>
+                  <a:noFill/>
+                </a:ln>
+                <a:solidFill>
+                  <a:schemeClr val="tx1"/>
+                </a:solidFill>
+                <a:effectLst/>
+                <a:latin typeface="Arial" panose="020B0604020202020204" pitchFamily="34" charset="0"/>
+              </a:rPr>
+              <a:t>staying</a:t>
+            </a:r>
+            <a:r>
+              <a:rPr kumimoji="0" lang="pt-PT" altLang="pt-PT" sz="1800" b="0" i="0" u="none" strike="noStrike" cap="none" normalizeH="0" baseline="0" dirty="0">
+                <a:ln>
+                  <a:noFill/>
+                </a:ln>
+                <a:solidFill>
+                  <a:schemeClr val="tx1"/>
+                </a:solidFill>
+                <a:effectLst/>
+                <a:latin typeface="Arial" panose="020B0604020202020204" pitchFamily="34" charset="0"/>
+              </a:rPr>
+              <a:t> in </a:t>
+            </a:r>
+            <a:r>
+              <a:rPr kumimoji="0" lang="pt-PT" altLang="pt-PT" sz="1800" b="0" i="0" u="none" strike="noStrike" cap="none" normalizeH="0" baseline="0" dirty="0" err="1">
+                <a:ln>
+                  <a:noFill/>
+                </a:ln>
+                <a:solidFill>
+                  <a:schemeClr val="tx1"/>
+                </a:solidFill>
+                <a:effectLst/>
+                <a:latin typeface="Arial" panose="020B0604020202020204" pitchFamily="34" charset="0"/>
+              </a:rPr>
+              <a:t>the</a:t>
+            </a:r>
+            <a:r>
+              <a:rPr kumimoji="0" lang="pt-PT" altLang="pt-PT" sz="1800" b="0" i="0" u="none" strike="noStrike" cap="none" normalizeH="0" baseline="0" dirty="0">
+                <a:ln>
+                  <a:noFill/>
+                </a:ln>
+                <a:solidFill>
+                  <a:schemeClr val="tx1"/>
+                </a:solidFill>
+                <a:effectLst/>
+                <a:latin typeface="Arial" panose="020B0604020202020204" pitchFamily="34" charset="0"/>
+              </a:rPr>
+              <a:t> </a:t>
+            </a:r>
+            <a:r>
+              <a:rPr kumimoji="0" lang="pt-PT" altLang="pt-PT" sz="1800" b="0" i="0" u="none" strike="noStrike" cap="none" normalizeH="0" baseline="0" dirty="0" err="1">
+                <a:ln>
+                  <a:noFill/>
+                </a:ln>
+                <a:solidFill>
+                  <a:schemeClr val="tx1"/>
+                </a:solidFill>
+                <a:effectLst/>
+                <a:latin typeface="Arial" panose="020B0604020202020204" pitchFamily="34" charset="0"/>
+              </a:rPr>
+              <a:t>same</a:t>
+            </a:r>
+            <a:r>
+              <a:rPr kumimoji="0" lang="pt-PT" altLang="pt-PT" sz="1800" b="0" i="0" u="none" strike="noStrike" cap="none" normalizeH="0" baseline="0" dirty="0">
+                <a:ln>
+                  <a:noFill/>
+                </a:ln>
+                <a:solidFill>
+                  <a:schemeClr val="tx1"/>
+                </a:solidFill>
+                <a:effectLst/>
+                <a:latin typeface="Arial" panose="020B0604020202020204" pitchFamily="34" charset="0"/>
+              </a:rPr>
+              <a:t> </a:t>
+            </a:r>
+            <a:r>
+              <a:rPr kumimoji="0" lang="pt-PT" altLang="pt-PT" sz="1800" b="0" i="0" u="none" strike="noStrike" cap="none" normalizeH="0" baseline="0" dirty="0" err="1">
+                <a:ln>
+                  <a:noFill/>
+                </a:ln>
+                <a:solidFill>
+                  <a:schemeClr val="tx1"/>
+                </a:solidFill>
+                <a:effectLst/>
+                <a:latin typeface="Arial" panose="020B0604020202020204" pitchFamily="34" charset="0"/>
+              </a:rPr>
+              <a:t>lane</a:t>
+            </a:r>
+            <a:r>
+              <a:rPr kumimoji="0" lang="pt-PT" altLang="pt-PT" sz="1800" b="0" i="0" u="none" strike="noStrike" cap="none" normalizeH="0" baseline="0" dirty="0">
+                <a:ln>
+                  <a:noFill/>
+                </a:ln>
+                <a:solidFill>
+                  <a:schemeClr val="tx1"/>
+                </a:solidFill>
+                <a:effectLst/>
+                <a:latin typeface="Arial" panose="020B0604020202020204" pitchFamily="34" charset="0"/>
+              </a:rPr>
+              <a:t> as </a:t>
+            </a:r>
+            <a:r>
+              <a:rPr kumimoji="0" lang="pt-PT" altLang="pt-PT" sz="1800" b="0" i="0" u="none" strike="noStrike" cap="none" normalizeH="0" baseline="0" dirty="0" err="1">
+                <a:ln>
+                  <a:noFill/>
+                </a:ln>
+                <a:solidFill>
+                  <a:schemeClr val="tx1"/>
+                </a:solidFill>
+                <a:effectLst/>
+                <a:latin typeface="Arial" panose="020B0604020202020204" pitchFamily="34" charset="0"/>
+              </a:rPr>
+              <a:t>the</a:t>
+            </a:r>
+            <a:r>
+              <a:rPr kumimoji="0" lang="pt-PT" altLang="pt-PT" sz="1800" b="0" i="0" u="none" strike="noStrike" cap="none" normalizeH="0" baseline="0" dirty="0">
+                <a:ln>
+                  <a:noFill/>
+                </a:ln>
+                <a:solidFill>
+                  <a:schemeClr val="tx1"/>
+                </a:solidFill>
+                <a:effectLst/>
+                <a:latin typeface="Arial" panose="020B0604020202020204" pitchFamily="34" charset="0"/>
+              </a:rPr>
+              <a:t> </a:t>
+            </a:r>
+            <a:r>
+              <a:rPr kumimoji="0" lang="pt-PT" altLang="pt-PT" sz="1800" b="0" i="0" u="none" strike="noStrike" cap="none" normalizeH="0" baseline="0" dirty="0" err="1">
+                <a:ln>
+                  <a:noFill/>
+                </a:ln>
+                <a:solidFill>
+                  <a:schemeClr val="tx1"/>
+                </a:solidFill>
+                <a:effectLst/>
+                <a:latin typeface="Arial" panose="020B0604020202020204" pitchFamily="34" charset="0"/>
+              </a:rPr>
+              <a:t>two</a:t>
+            </a:r>
+            <a:r>
+              <a:rPr kumimoji="0" lang="pt-PT" altLang="pt-PT" sz="1800" b="0" i="0" u="none" strike="noStrike" cap="none" normalizeH="0" baseline="0" dirty="0">
+                <a:ln>
+                  <a:noFill/>
+                </a:ln>
+                <a:solidFill>
+                  <a:schemeClr val="tx1"/>
+                </a:solidFill>
+                <a:effectLst/>
+                <a:latin typeface="Arial" panose="020B0604020202020204" pitchFamily="34" charset="0"/>
+              </a:rPr>
+              <a:t> </a:t>
+            </a:r>
+            <a:r>
+              <a:rPr kumimoji="0" lang="pt-PT" altLang="pt-PT" sz="1800" b="0" i="0" u="none" strike="noStrike" cap="none" normalizeH="0" baseline="0" dirty="0" err="1">
+                <a:ln>
+                  <a:noFill/>
+                </a:ln>
+                <a:solidFill>
+                  <a:schemeClr val="tx1"/>
+                </a:solidFill>
+                <a:effectLst/>
+                <a:latin typeface="Arial" panose="020B0604020202020204" pitchFamily="34" charset="0"/>
+              </a:rPr>
+              <a:t>other</a:t>
+            </a:r>
+            <a:r>
+              <a:rPr kumimoji="0" lang="pt-PT" altLang="pt-PT" sz="1800" b="0" i="0" u="none" strike="noStrike" cap="none" normalizeH="0" baseline="0" dirty="0">
+                <a:ln>
+                  <a:noFill/>
+                </a:ln>
+                <a:solidFill>
+                  <a:schemeClr val="tx1"/>
+                </a:solidFill>
+                <a:effectLst/>
+                <a:latin typeface="Arial" panose="020B0604020202020204" pitchFamily="34" charset="0"/>
+              </a:rPr>
+              <a:t> </a:t>
+            </a:r>
+            <a:r>
+              <a:rPr kumimoji="0" lang="pt-PT" altLang="pt-PT" sz="1800" b="0" i="0" u="none" strike="noStrike" cap="none" normalizeH="0" baseline="0" dirty="0" err="1">
+                <a:ln>
+                  <a:noFill/>
+                </a:ln>
+                <a:solidFill>
+                  <a:schemeClr val="tx1"/>
+                </a:solidFill>
+                <a:effectLst/>
+                <a:latin typeface="Arial" panose="020B0604020202020204" pitchFamily="34" charset="0"/>
+              </a:rPr>
+              <a:t>vehicles</a:t>
+            </a:r>
+            <a:r>
+              <a:rPr kumimoji="0" lang="pt-PT" altLang="pt-PT" sz="1800" b="0" i="0" u="none" strike="noStrike" cap="none" normalizeH="0" baseline="0" dirty="0">
+                <a:ln>
+                  <a:noFill/>
+                </a:ln>
+                <a:solidFill>
+                  <a:schemeClr val="tx1"/>
+                </a:solidFill>
+                <a:effectLst/>
+                <a:latin typeface="Arial" panose="020B0604020202020204" pitchFamily="34" charset="0"/>
+              </a:rPr>
+              <a:t> </a:t>
+            </a:r>
+            <a:r>
+              <a:rPr kumimoji="0" lang="pt-PT" altLang="pt-PT" sz="1800" b="0" i="0" u="none" strike="noStrike" cap="none" normalizeH="0" baseline="0" dirty="0" err="1">
+                <a:ln>
+                  <a:noFill/>
+                </a:ln>
+                <a:solidFill>
+                  <a:schemeClr val="tx1"/>
+                </a:solidFill>
+                <a:effectLst/>
+                <a:latin typeface="Arial" panose="020B0604020202020204" pitchFamily="34" charset="0"/>
+              </a:rPr>
+              <a:t>and</a:t>
+            </a:r>
+            <a:r>
+              <a:rPr kumimoji="0" lang="pt-PT" altLang="pt-PT" sz="1800" b="0" i="0" u="none" strike="noStrike" cap="none" normalizeH="0" baseline="0" dirty="0">
+                <a:ln>
+                  <a:noFill/>
+                </a:ln>
+                <a:solidFill>
+                  <a:schemeClr val="tx1"/>
+                </a:solidFill>
+                <a:effectLst/>
+                <a:latin typeface="Arial" panose="020B0604020202020204" pitchFamily="34" charset="0"/>
+              </a:rPr>
+              <a:t> </a:t>
+            </a:r>
+            <a:r>
+              <a:rPr kumimoji="0" lang="pt-PT" altLang="pt-PT" sz="1800" b="0" i="0" u="none" strike="noStrike" cap="none" normalizeH="0" baseline="0" dirty="0" err="1">
+                <a:ln>
+                  <a:noFill/>
+                </a:ln>
+                <a:solidFill>
+                  <a:schemeClr val="tx1"/>
+                </a:solidFill>
+                <a:effectLst/>
+                <a:latin typeface="Arial" panose="020B0604020202020204" pitchFamily="34" charset="0"/>
+              </a:rPr>
+              <a:t>maintaining</a:t>
+            </a:r>
+            <a:r>
+              <a:rPr kumimoji="0" lang="pt-PT" altLang="pt-PT" sz="1800" b="0" i="0" u="none" strike="noStrike" cap="none" normalizeH="0" baseline="0" dirty="0">
+                <a:ln>
+                  <a:noFill/>
+                </a:ln>
+                <a:solidFill>
+                  <a:schemeClr val="tx1"/>
+                </a:solidFill>
+                <a:effectLst/>
+                <a:latin typeface="Arial" panose="020B0604020202020204" pitchFamily="34" charset="0"/>
+              </a:rPr>
+              <a:t> </a:t>
+            </a:r>
+            <a:r>
+              <a:rPr kumimoji="0" lang="pt-PT" altLang="pt-PT" sz="1800" b="0" i="0" u="none" strike="noStrike" cap="none" normalizeH="0" baseline="0" dirty="0" err="1">
+                <a:ln>
+                  <a:noFill/>
+                </a:ln>
+                <a:solidFill>
+                  <a:schemeClr val="tx1"/>
+                </a:solidFill>
+                <a:effectLst/>
+                <a:latin typeface="Arial" panose="020B0604020202020204" pitchFamily="34" charset="0"/>
+              </a:rPr>
+              <a:t>the</a:t>
+            </a:r>
+            <a:r>
+              <a:rPr kumimoji="0" lang="pt-PT" altLang="pt-PT" sz="1800" b="0" i="0" u="none" strike="noStrike" cap="none" normalizeH="0" baseline="0" dirty="0">
+                <a:ln>
+                  <a:noFill/>
+                </a:ln>
+                <a:solidFill>
+                  <a:schemeClr val="tx1"/>
+                </a:solidFill>
+                <a:effectLst/>
+                <a:latin typeface="Arial" panose="020B0604020202020204" pitchFamily="34" charset="0"/>
+              </a:rPr>
+              <a:t> </a:t>
+            </a:r>
+            <a:r>
+              <a:rPr kumimoji="0" lang="pt-PT" altLang="pt-PT" sz="1800" b="0" i="0" u="none" strike="noStrike" cap="none" normalizeH="0" baseline="0" dirty="0" err="1">
+                <a:ln>
+                  <a:noFill/>
+                </a:ln>
+                <a:solidFill>
+                  <a:schemeClr val="tx1"/>
+                </a:solidFill>
+                <a:effectLst/>
+                <a:latin typeface="Arial" panose="020B0604020202020204" pitchFamily="34" charset="0"/>
+              </a:rPr>
+              <a:t>position</a:t>
+            </a:r>
+            <a:r>
+              <a:rPr kumimoji="0" lang="pt-PT" altLang="pt-PT" sz="1800" b="0" i="0" u="none" strike="noStrike" cap="none" normalizeH="0" baseline="0" dirty="0">
+                <a:ln>
+                  <a:noFill/>
+                </a:ln>
+                <a:solidFill>
+                  <a:schemeClr val="tx1"/>
+                </a:solidFill>
+                <a:effectLst/>
+                <a:latin typeface="Arial" panose="020B0604020202020204" pitchFamily="34" charset="0"/>
+              </a:rPr>
+              <a:t> </a:t>
+            </a:r>
+            <a:r>
+              <a:rPr kumimoji="0" lang="pt-PT" altLang="pt-PT" sz="1800" b="0" i="0" u="none" strike="noStrike" cap="none" normalizeH="0" baseline="0" dirty="0" err="1">
+                <a:ln>
+                  <a:noFill/>
+                </a:ln>
+                <a:solidFill>
+                  <a:schemeClr val="tx1"/>
+                </a:solidFill>
+                <a:effectLst/>
+                <a:latin typeface="Arial" panose="020B0604020202020204" pitchFamily="34" charset="0"/>
+              </a:rPr>
+              <a:t>between</a:t>
+            </a:r>
+            <a:r>
+              <a:rPr kumimoji="0" lang="pt-PT" altLang="pt-PT" sz="1800" b="0" i="0" u="none" strike="noStrike" cap="none" normalizeH="0" baseline="0" dirty="0">
+                <a:ln>
+                  <a:noFill/>
+                </a:ln>
+                <a:solidFill>
+                  <a:schemeClr val="tx1"/>
+                </a:solidFill>
+                <a:effectLst/>
+                <a:latin typeface="Arial" panose="020B0604020202020204" pitchFamily="34" charset="0"/>
+              </a:rPr>
+              <a:t> </a:t>
+            </a:r>
+            <a:r>
+              <a:rPr kumimoji="0" lang="pt-PT" altLang="pt-PT" sz="1800" b="0" i="0" u="none" strike="noStrike" cap="none" normalizeH="0" baseline="0" dirty="0" err="1">
+                <a:ln>
+                  <a:noFill/>
+                </a:ln>
+                <a:solidFill>
+                  <a:schemeClr val="tx1"/>
+                </a:solidFill>
+                <a:effectLst/>
+                <a:latin typeface="Arial" panose="020B0604020202020204" pitchFamily="34" charset="0"/>
+              </a:rPr>
+              <a:t>them</a:t>
+            </a:r>
+            <a:r>
+              <a:rPr kumimoji="0" lang="pt-PT" altLang="pt-PT" sz="1800" b="0" i="0" u="none" strike="noStrike" cap="none" normalizeH="0" baseline="0" dirty="0">
+                <a:ln>
+                  <a:noFill/>
+                </a:ln>
+                <a:solidFill>
+                  <a:schemeClr val="tx1"/>
+                </a:solidFill>
+                <a:effectLst/>
+                <a:latin typeface="Arial" panose="020B0604020202020204" pitchFamily="34" charset="0"/>
+              </a:rPr>
+              <a:t>.</a:t>
+            </a:r>
+          </a:p>
+          <a:p>
+            <a:pPr marL="0" marR="0" lvl="0" indent="0" algn="l" defTabSz="914400" rtl="0" eaLnBrk="0" fontAlgn="base" latinLnBrk="0" hangingPunct="0">
+              <a:lnSpc>
+                <a:spcPct val="100000"/>
+              </a:lnSpc>
+              <a:spcBef>
+                <a:spcPct val="0"/>
+              </a:spcBef>
+              <a:spcAft>
+                <a:spcPct val="0"/>
+              </a:spcAft>
+              <a:buClrTx/>
+              <a:buSzTx/>
+              <a:tabLst/>
+            </a:pPr>
+            <a:endParaRPr kumimoji="0" lang="pt-PT" altLang="pt-PT" sz="1800" b="0" i="0" u="none" strike="noStrike" cap="none" normalizeH="0" baseline="0" dirty="0">
+              <a:ln>
+                <a:noFill/>
+              </a:ln>
+              <a:solidFill>
+                <a:schemeClr val="tx1"/>
+              </a:solidFill>
+              <a:effectLst/>
+              <a:latin typeface="Arial" panose="020B0604020202020204" pitchFamily="34" charset="0"/>
+            </a:endParaRPr>
+          </a:p>
+          <a:p>
+            <a:pPr marL="0" marR="0" lvl="0" indent="0" algn="l" defTabSz="914400" rtl="0" eaLnBrk="0" fontAlgn="base" latinLnBrk="0" hangingPunct="0">
+              <a:lnSpc>
+                <a:spcPct val="100000"/>
+              </a:lnSpc>
+              <a:spcBef>
+                <a:spcPct val="0"/>
+              </a:spcBef>
+              <a:spcAft>
+                <a:spcPct val="0"/>
+              </a:spcAft>
+              <a:buClrTx/>
+              <a:buSzTx/>
+              <a:buFontTx/>
               <a:buChar char="•"/>
+              <a:tabLst/>
             </a:pPr>
             <a:r>
-              <a:rPr lang="en-US" b="1" dirty="0"/>
-              <a:t>Collision Reward</a:t>
-            </a:r>
-            <a:r>
-              <a:rPr lang="en-US" dirty="0"/>
-              <a:t>: -1 (Penalty for collision)</a:t>
-            </a:r>
-          </a:p>
-          <a:p>
-            <a:pPr lvl="1">
-              <a:buFont typeface="Arial" panose="020B0604020202020204" pitchFamily="34" charset="0"/>
-              <a:buChar char="•"/>
-            </a:pPr>
-            <a:r>
-              <a:rPr lang="en-US" b="1" dirty="0"/>
-              <a:t>Right Lane Reward</a:t>
-            </a:r>
-            <a:r>
-              <a:rPr lang="en-US" dirty="0"/>
-              <a:t>: +0.1 (Positive for staying in the right lane)</a:t>
-            </a:r>
-          </a:p>
-          <a:p>
-            <a:pPr lvl="1">
-              <a:buFont typeface="Arial" panose="020B0604020202020204" pitchFamily="34" charset="0"/>
-              <a:buChar char="•"/>
-            </a:pPr>
-            <a:r>
-              <a:rPr lang="en-US" b="1" dirty="0"/>
-              <a:t>High Speed Reward</a:t>
-            </a:r>
-            <a:r>
-              <a:rPr lang="en-US" dirty="0"/>
-              <a:t>: +0.2 (Incentive for high speed)</a:t>
-            </a:r>
-          </a:p>
-          <a:p>
-            <a:pPr lvl="1">
-              <a:buFont typeface="Arial" panose="020B0604020202020204" pitchFamily="34" charset="0"/>
-              <a:buChar char="•"/>
-            </a:pPr>
-            <a:r>
-              <a:rPr lang="en-US" b="1" dirty="0"/>
-              <a:t>Merging Speed Penalty</a:t>
-            </a:r>
-            <a:r>
-              <a:rPr lang="en-US" dirty="0"/>
-              <a:t>: -5 (Penalty for improper merging speed)</a:t>
-            </a:r>
-          </a:p>
-          <a:p>
-            <a:pPr lvl="1">
-              <a:buFont typeface="Arial" panose="020B0604020202020204" pitchFamily="34" charset="0"/>
-              <a:buChar char="•"/>
-            </a:pPr>
-            <a:r>
-              <a:rPr lang="en-US" b="1" dirty="0"/>
-              <a:t>Lane Change Penalty</a:t>
-            </a:r>
-            <a:r>
-              <a:rPr lang="en-US" dirty="0"/>
-              <a:t>: -0.05 (Small penalty for lane changes)</a:t>
-            </a:r>
-          </a:p>
-          <a:p>
-            <a:pPr lvl="1">
-              <a:buFont typeface="Arial" panose="020B0604020202020204" pitchFamily="34" charset="0"/>
-              <a:buChar char="•"/>
-            </a:pPr>
-            <a:endParaRPr lang="en-US" dirty="0"/>
-          </a:p>
-          <a:p>
-            <a:pPr lvl="1"/>
-            <a:r>
-              <a:rPr lang="en-US" dirty="0"/>
-              <a:t>MUDARRRRRR POR DE ACORDO COM O RELATORIO</a:t>
+              <a:rPr kumimoji="0" lang="pt-PT" altLang="pt-PT" sz="1800" b="1" i="0" u="none" strike="noStrike" cap="none" normalizeH="0" baseline="0" dirty="0">
+                <a:ln>
+                  <a:noFill/>
+                </a:ln>
+                <a:solidFill>
+                  <a:schemeClr val="tx1"/>
+                </a:solidFill>
+                <a:effectLst/>
+                <a:latin typeface="Arial" panose="020B0604020202020204" pitchFamily="34" charset="0"/>
+              </a:rPr>
+              <a:t>    +5 </a:t>
+            </a:r>
+            <a:r>
+              <a:rPr kumimoji="0" lang="pt-PT" altLang="pt-PT" sz="1800" b="1" i="0" u="none" strike="noStrike" cap="none" normalizeH="0" baseline="0" dirty="0" err="1">
+                <a:ln>
+                  <a:noFill/>
+                </a:ln>
+                <a:solidFill>
+                  <a:schemeClr val="tx1"/>
+                </a:solidFill>
+                <a:effectLst/>
+                <a:latin typeface="Arial" panose="020B0604020202020204" pitchFamily="34" charset="0"/>
+              </a:rPr>
+              <a:t>Points</a:t>
+            </a:r>
+            <a:r>
+              <a:rPr kumimoji="0" lang="pt-PT" altLang="pt-PT" sz="1800" b="0" i="0" u="none" strike="noStrike" cap="none" normalizeH="0" baseline="0" dirty="0">
+                <a:ln>
+                  <a:noFill/>
+                </a:ln>
+                <a:solidFill>
+                  <a:schemeClr val="tx1"/>
+                </a:solidFill>
+                <a:effectLst/>
+                <a:latin typeface="Arial" panose="020B0604020202020204" pitchFamily="34" charset="0"/>
+              </a:rPr>
+              <a:t> for </a:t>
+            </a:r>
+            <a:r>
+              <a:rPr kumimoji="0" lang="pt-PT" altLang="pt-PT" sz="1800" b="0" i="0" u="none" strike="noStrike" cap="none" normalizeH="0" baseline="0" dirty="0" err="1">
+                <a:ln>
+                  <a:noFill/>
+                </a:ln>
+                <a:solidFill>
+                  <a:schemeClr val="tx1"/>
+                </a:solidFill>
+                <a:effectLst/>
+                <a:latin typeface="Arial" panose="020B0604020202020204" pitchFamily="34" charset="0"/>
+              </a:rPr>
+              <a:t>staying</a:t>
+            </a:r>
+            <a:r>
+              <a:rPr kumimoji="0" lang="pt-PT" altLang="pt-PT" sz="1800" b="0" i="0" u="none" strike="noStrike" cap="none" normalizeH="0" baseline="0" dirty="0">
+                <a:ln>
+                  <a:noFill/>
+                </a:ln>
+                <a:solidFill>
+                  <a:schemeClr val="tx1"/>
+                </a:solidFill>
+                <a:effectLst/>
+                <a:latin typeface="Arial" panose="020B0604020202020204" pitchFamily="34" charset="0"/>
+              </a:rPr>
+              <a:t> </a:t>
+            </a:r>
+            <a:r>
+              <a:rPr kumimoji="0" lang="pt-PT" altLang="pt-PT" sz="1800" b="0" i="0" u="none" strike="noStrike" cap="none" normalizeH="0" baseline="0" dirty="0" err="1">
+                <a:ln>
+                  <a:noFill/>
+                </a:ln>
+                <a:solidFill>
+                  <a:schemeClr val="tx1"/>
+                </a:solidFill>
+                <a:effectLst/>
+                <a:latin typeface="Arial" panose="020B0604020202020204" pitchFamily="34" charset="0"/>
+              </a:rPr>
+              <a:t>ahead</a:t>
+            </a:r>
+            <a:r>
+              <a:rPr kumimoji="0" lang="pt-PT" altLang="pt-PT" sz="1800" b="0" i="0" u="none" strike="noStrike" cap="none" normalizeH="0" baseline="0" dirty="0">
+                <a:ln>
+                  <a:noFill/>
+                </a:ln>
+                <a:solidFill>
+                  <a:schemeClr val="tx1"/>
+                </a:solidFill>
+                <a:effectLst/>
+                <a:latin typeface="Arial" panose="020B0604020202020204" pitchFamily="34" charset="0"/>
+              </a:rPr>
+              <a:t> </a:t>
+            </a:r>
+            <a:r>
+              <a:rPr kumimoji="0" lang="pt-PT" altLang="pt-PT" sz="1800" b="0" i="0" u="none" strike="noStrike" cap="none" normalizeH="0" baseline="0" dirty="0" err="1">
+                <a:ln>
+                  <a:noFill/>
+                </a:ln>
+                <a:solidFill>
+                  <a:schemeClr val="tx1"/>
+                </a:solidFill>
+                <a:effectLst/>
+                <a:latin typeface="Arial" panose="020B0604020202020204" pitchFamily="34" charset="0"/>
+              </a:rPr>
+              <a:t>of</a:t>
+            </a:r>
+            <a:r>
+              <a:rPr kumimoji="0" lang="pt-PT" altLang="pt-PT" sz="1800" b="0" i="0" u="none" strike="noStrike" cap="none" normalizeH="0" baseline="0" dirty="0">
+                <a:ln>
+                  <a:noFill/>
+                </a:ln>
+                <a:solidFill>
+                  <a:schemeClr val="tx1"/>
+                </a:solidFill>
+                <a:effectLst/>
+                <a:latin typeface="Arial" panose="020B0604020202020204" pitchFamily="34" charset="0"/>
+              </a:rPr>
+              <a:t> </a:t>
+            </a:r>
+            <a:r>
+              <a:rPr kumimoji="0" lang="pt-PT" altLang="pt-PT" sz="1800" b="0" i="0" u="none" strike="noStrike" cap="none" normalizeH="0" baseline="0" dirty="0" err="1">
+                <a:ln>
+                  <a:noFill/>
+                </a:ln>
+                <a:solidFill>
+                  <a:schemeClr val="tx1"/>
+                </a:solidFill>
+                <a:effectLst/>
+                <a:latin typeface="Arial" panose="020B0604020202020204" pitchFamily="34" charset="0"/>
+              </a:rPr>
+              <a:t>the</a:t>
+            </a:r>
+            <a:r>
+              <a:rPr kumimoji="0" lang="pt-PT" altLang="pt-PT" sz="1800" b="0" i="0" u="none" strike="noStrike" cap="none" normalizeH="0" baseline="0" dirty="0">
+                <a:ln>
+                  <a:noFill/>
+                </a:ln>
+                <a:solidFill>
+                  <a:schemeClr val="tx1"/>
+                </a:solidFill>
+                <a:effectLst/>
+                <a:latin typeface="Arial" panose="020B0604020202020204" pitchFamily="34" charset="0"/>
+              </a:rPr>
+              <a:t> </a:t>
+            </a:r>
+            <a:r>
+              <a:rPr kumimoji="0" lang="pt-PT" altLang="pt-PT" sz="1800" b="0" i="0" u="none" strike="noStrike" cap="none" normalizeH="0" baseline="0" dirty="0" err="1">
+                <a:ln>
+                  <a:noFill/>
+                </a:ln>
+                <a:solidFill>
+                  <a:schemeClr val="tx1"/>
+                </a:solidFill>
+                <a:effectLst/>
+                <a:latin typeface="Arial" panose="020B0604020202020204" pitchFamily="34" charset="0"/>
+              </a:rPr>
+              <a:t>rear</a:t>
+            </a:r>
+            <a:r>
+              <a:rPr kumimoji="0" lang="pt-PT" altLang="pt-PT" sz="1800" b="0" i="0" u="none" strike="noStrike" cap="none" normalizeH="0" baseline="0" dirty="0">
+                <a:ln>
+                  <a:noFill/>
+                </a:ln>
+                <a:solidFill>
+                  <a:schemeClr val="tx1"/>
+                </a:solidFill>
+                <a:effectLst/>
+                <a:latin typeface="Arial" panose="020B0604020202020204" pitchFamily="34" charset="0"/>
+              </a:rPr>
+              <a:t> </a:t>
+            </a:r>
+            <a:r>
+              <a:rPr kumimoji="0" lang="pt-PT" altLang="pt-PT" sz="1800" b="0" i="0" u="none" strike="noStrike" cap="none" normalizeH="0" baseline="0" dirty="0" err="1">
+                <a:ln>
+                  <a:noFill/>
+                </a:ln>
+                <a:solidFill>
+                  <a:schemeClr val="tx1"/>
+                </a:solidFill>
+                <a:effectLst/>
+                <a:latin typeface="Arial" panose="020B0604020202020204" pitchFamily="34" charset="0"/>
+              </a:rPr>
+              <a:t>vehicle</a:t>
+            </a:r>
+            <a:r>
+              <a:rPr kumimoji="0" lang="pt-PT" altLang="pt-PT" sz="1800" b="0" i="0" u="none" strike="noStrike" cap="none" normalizeH="0" baseline="0" dirty="0">
+                <a:ln>
+                  <a:noFill/>
+                </a:ln>
+                <a:solidFill>
+                  <a:schemeClr val="tx1"/>
+                </a:solidFill>
+                <a:effectLst/>
+                <a:latin typeface="Arial" panose="020B0604020202020204" pitchFamily="34" charset="0"/>
+              </a:rPr>
+              <a:t> </a:t>
+            </a:r>
+            <a:r>
+              <a:rPr kumimoji="0" lang="pt-PT" altLang="pt-PT" sz="1800" b="0" i="0" u="none" strike="noStrike" cap="none" normalizeH="0" baseline="0" dirty="0" err="1">
+                <a:ln>
+                  <a:noFill/>
+                </a:ln>
+                <a:solidFill>
+                  <a:schemeClr val="tx1"/>
+                </a:solidFill>
+                <a:effectLst/>
+                <a:latin typeface="Arial" panose="020B0604020202020204" pitchFamily="34" charset="0"/>
+              </a:rPr>
+              <a:t>and</a:t>
+            </a:r>
+            <a:r>
+              <a:rPr kumimoji="0" lang="pt-PT" altLang="pt-PT" sz="1800" b="0" i="0" u="none" strike="noStrike" cap="none" normalizeH="0" baseline="0" dirty="0">
+                <a:ln>
+                  <a:noFill/>
+                </a:ln>
+                <a:solidFill>
+                  <a:schemeClr val="tx1"/>
+                </a:solidFill>
+                <a:effectLst/>
+                <a:latin typeface="Arial" panose="020B0604020202020204" pitchFamily="34" charset="0"/>
+              </a:rPr>
+              <a:t> </a:t>
+            </a:r>
+            <a:r>
+              <a:rPr kumimoji="0" lang="pt-PT" altLang="pt-PT" sz="1800" b="0" i="0" u="none" strike="noStrike" cap="none" normalizeH="0" baseline="0" dirty="0" err="1">
+                <a:ln>
+                  <a:noFill/>
+                </a:ln>
+                <a:solidFill>
+                  <a:schemeClr val="tx1"/>
+                </a:solidFill>
+                <a:effectLst/>
+                <a:latin typeface="Arial" panose="020B0604020202020204" pitchFamily="34" charset="0"/>
+              </a:rPr>
+              <a:t>behind</a:t>
+            </a:r>
+            <a:r>
+              <a:rPr kumimoji="0" lang="pt-PT" altLang="pt-PT" sz="1800" b="0" i="0" u="none" strike="noStrike" cap="none" normalizeH="0" baseline="0" dirty="0">
+                <a:ln>
+                  <a:noFill/>
+                </a:ln>
+                <a:solidFill>
+                  <a:schemeClr val="tx1"/>
+                </a:solidFill>
+                <a:effectLst/>
+                <a:latin typeface="Arial" panose="020B0604020202020204" pitchFamily="34" charset="0"/>
+              </a:rPr>
+              <a:t> </a:t>
+            </a:r>
+            <a:r>
+              <a:rPr kumimoji="0" lang="pt-PT" altLang="pt-PT" sz="1800" b="0" i="0" u="none" strike="noStrike" cap="none" normalizeH="0" baseline="0" dirty="0" err="1">
+                <a:ln>
+                  <a:noFill/>
+                </a:ln>
+                <a:solidFill>
+                  <a:schemeClr val="tx1"/>
+                </a:solidFill>
+                <a:effectLst/>
+                <a:latin typeface="Arial" panose="020B0604020202020204" pitchFamily="34" charset="0"/>
+              </a:rPr>
+              <a:t>the</a:t>
+            </a:r>
+            <a:r>
+              <a:rPr kumimoji="0" lang="pt-PT" altLang="pt-PT" sz="1800" b="0" i="0" u="none" strike="noStrike" cap="none" normalizeH="0" baseline="0" dirty="0">
+                <a:ln>
+                  <a:noFill/>
+                </a:ln>
+                <a:solidFill>
+                  <a:schemeClr val="tx1"/>
+                </a:solidFill>
+                <a:effectLst/>
+                <a:latin typeface="Arial" panose="020B0604020202020204" pitchFamily="34" charset="0"/>
+              </a:rPr>
+              <a:t> </a:t>
+            </a:r>
+            <a:r>
+              <a:rPr kumimoji="0" lang="pt-PT" altLang="pt-PT" sz="1800" b="0" i="0" u="none" strike="noStrike" cap="none" normalizeH="0" baseline="0" dirty="0" err="1">
+                <a:ln>
+                  <a:noFill/>
+                </a:ln>
+                <a:solidFill>
+                  <a:schemeClr val="tx1"/>
+                </a:solidFill>
+                <a:effectLst/>
+                <a:latin typeface="Arial" panose="020B0604020202020204" pitchFamily="34" charset="0"/>
+              </a:rPr>
+              <a:t>front</a:t>
+            </a:r>
+            <a:r>
+              <a:rPr kumimoji="0" lang="pt-PT" altLang="pt-PT" sz="1800" b="0" i="0" u="none" strike="noStrike" cap="none" normalizeH="0" baseline="0" dirty="0">
+                <a:ln>
+                  <a:noFill/>
+                </a:ln>
+                <a:solidFill>
+                  <a:schemeClr val="tx1"/>
+                </a:solidFill>
+                <a:effectLst/>
+                <a:latin typeface="Arial" panose="020B0604020202020204" pitchFamily="34" charset="0"/>
+              </a:rPr>
+              <a:t> </a:t>
+            </a:r>
+            <a:r>
+              <a:rPr kumimoji="0" lang="pt-PT" altLang="pt-PT" sz="1800" b="0" i="0" u="none" strike="noStrike" cap="none" normalizeH="0" baseline="0" dirty="0" err="1">
+                <a:ln>
+                  <a:noFill/>
+                </a:ln>
+                <a:solidFill>
+                  <a:schemeClr val="tx1"/>
+                </a:solidFill>
+                <a:effectLst/>
+                <a:latin typeface="Arial" panose="020B0604020202020204" pitchFamily="34" charset="0"/>
+              </a:rPr>
+              <a:t>vehicle</a:t>
+            </a:r>
+            <a:r>
+              <a:rPr kumimoji="0" lang="pt-PT" altLang="pt-PT" sz="1800" b="0" i="0" u="none" strike="noStrike" cap="none" normalizeH="0" baseline="0" dirty="0">
+                <a:ln>
+                  <a:noFill/>
+                </a:ln>
+                <a:solidFill>
+                  <a:schemeClr val="tx1"/>
+                </a:solidFill>
+                <a:effectLst/>
+                <a:latin typeface="Arial" panose="020B0604020202020204" pitchFamily="34" charset="0"/>
+              </a:rPr>
+              <a:t>. </a:t>
             </a:r>
           </a:p>
         </p:txBody>
@@ -13369,7 +14061,7 @@
         </p:blipFill>
         <p:spPr bwMode="auto">
           <a:xfrm>
-            <a:off x="4105108" y="2816203"/>
+            <a:off x="4006786" y="2216435"/>
             <a:ext cx="1409700" cy="1409700"/>
           </a:xfrm>
           <a:prstGeom prst="rect">
